--- a/Проект WebServer.pptx
+++ b/Проект WebServer.pptx
@@ -9,7 +9,6 @@
     <p:sldId id="257" r:id="rId3"/>
     <p:sldId id="258" r:id="rId4"/>
     <p:sldId id="259" r:id="rId5"/>
-    <p:sldId id="260" r:id="rId6"/>
   </p:sldIdLst>
   <p:sldSz cx="12192000" cy="6858000"/>
   <p:notesSz cx="6858000" cy="9144000"/>
@@ -302,7 +301,7 @@
           <a:p>
             <a:fld id="{77F81082-7E7B-4BCA-9A0C-EFDC933911F5}" type="datetimeFigureOut">
               <a:rPr lang="ru-RU" smtClean="0"/>
-              <a:t>22.03.2019</a:t>
+              <a:t>01.04.2019</a:t>
             </a:fld>
             <a:endParaRPr lang="ru-RU"/>
           </a:p>
@@ -577,7 +576,7 @@
           <a:p>
             <a:fld id="{77F81082-7E7B-4BCA-9A0C-EFDC933911F5}" type="datetimeFigureOut">
               <a:rPr lang="ru-RU" smtClean="0"/>
-              <a:t>22.03.2019</a:t>
+              <a:t>01.04.2019</a:t>
             </a:fld>
             <a:endParaRPr lang="ru-RU"/>
           </a:p>
@@ -771,7 +770,7 @@
           <a:p>
             <a:fld id="{77F81082-7E7B-4BCA-9A0C-EFDC933911F5}" type="datetimeFigureOut">
               <a:rPr lang="ru-RU" smtClean="0"/>
-              <a:t>22.03.2019</a:t>
+              <a:t>01.04.2019</a:t>
             </a:fld>
             <a:endParaRPr lang="ru-RU"/>
           </a:p>
@@ -1044,7 +1043,7 @@
           <a:p>
             <a:fld id="{77F81082-7E7B-4BCA-9A0C-EFDC933911F5}" type="datetimeFigureOut">
               <a:rPr lang="ru-RU" smtClean="0"/>
-              <a:t>22.03.2019</a:t>
+              <a:t>01.04.2019</a:t>
             </a:fld>
             <a:endParaRPr lang="ru-RU"/>
           </a:p>
@@ -1385,7 +1384,7 @@
           <a:p>
             <a:fld id="{77F81082-7E7B-4BCA-9A0C-EFDC933911F5}" type="datetimeFigureOut">
               <a:rPr lang="ru-RU" smtClean="0"/>
-              <a:t>22.03.2019</a:t>
+              <a:t>01.04.2019</a:t>
             </a:fld>
             <a:endParaRPr lang="ru-RU"/>
           </a:p>
@@ -2008,7 +2007,7 @@
           <a:p>
             <a:fld id="{77F81082-7E7B-4BCA-9A0C-EFDC933911F5}" type="datetimeFigureOut">
               <a:rPr lang="ru-RU" smtClean="0"/>
-              <a:t>22.03.2019</a:t>
+              <a:t>01.04.2019</a:t>
             </a:fld>
             <a:endParaRPr lang="ru-RU"/>
           </a:p>
@@ -2868,7 +2867,7 @@
           <a:p>
             <a:fld id="{77F81082-7E7B-4BCA-9A0C-EFDC933911F5}" type="datetimeFigureOut">
               <a:rPr lang="ru-RU" smtClean="0"/>
-              <a:t>22.03.2019</a:t>
+              <a:t>01.04.2019</a:t>
             </a:fld>
             <a:endParaRPr lang="ru-RU"/>
           </a:p>
@@ -3038,7 +3037,7 @@
           <a:p>
             <a:fld id="{77F81082-7E7B-4BCA-9A0C-EFDC933911F5}" type="datetimeFigureOut">
               <a:rPr lang="ru-RU" smtClean="0"/>
-              <a:t>22.03.2019</a:t>
+              <a:t>01.04.2019</a:t>
             </a:fld>
             <a:endParaRPr lang="ru-RU"/>
           </a:p>
@@ -3218,7 +3217,7 @@
           <a:p>
             <a:fld id="{77F81082-7E7B-4BCA-9A0C-EFDC933911F5}" type="datetimeFigureOut">
               <a:rPr lang="ru-RU" smtClean="0"/>
-              <a:t>22.03.2019</a:t>
+              <a:t>01.04.2019</a:t>
             </a:fld>
             <a:endParaRPr lang="ru-RU"/>
           </a:p>
@@ -3388,7 +3387,7 @@
           <a:p>
             <a:fld id="{77F81082-7E7B-4BCA-9A0C-EFDC933911F5}" type="datetimeFigureOut">
               <a:rPr lang="ru-RU" smtClean="0"/>
-              <a:t>22.03.2019</a:t>
+              <a:t>01.04.2019</a:t>
             </a:fld>
             <a:endParaRPr lang="ru-RU"/>
           </a:p>
@@ -3635,7 +3634,7 @@
           <a:p>
             <a:fld id="{77F81082-7E7B-4BCA-9A0C-EFDC933911F5}" type="datetimeFigureOut">
               <a:rPr lang="ru-RU" smtClean="0"/>
-              <a:t>22.03.2019</a:t>
+              <a:t>01.04.2019</a:t>
             </a:fld>
             <a:endParaRPr lang="ru-RU"/>
           </a:p>
@@ -3927,7 +3926,7 @@
           <a:p>
             <a:fld id="{77F81082-7E7B-4BCA-9A0C-EFDC933911F5}" type="datetimeFigureOut">
               <a:rPr lang="ru-RU" smtClean="0"/>
-              <a:t>22.03.2019</a:t>
+              <a:t>01.04.2019</a:t>
             </a:fld>
             <a:endParaRPr lang="ru-RU"/>
           </a:p>
@@ -4371,7 +4370,7 @@
           <a:p>
             <a:fld id="{77F81082-7E7B-4BCA-9A0C-EFDC933911F5}" type="datetimeFigureOut">
               <a:rPr lang="ru-RU" smtClean="0"/>
-              <a:t>22.03.2019</a:t>
+              <a:t>01.04.2019</a:t>
             </a:fld>
             <a:endParaRPr lang="ru-RU"/>
           </a:p>
@@ -4489,7 +4488,7 @@
           <a:p>
             <a:fld id="{77F81082-7E7B-4BCA-9A0C-EFDC933911F5}" type="datetimeFigureOut">
               <a:rPr lang="ru-RU" smtClean="0"/>
-              <a:t>22.03.2019</a:t>
+              <a:t>01.04.2019</a:t>
             </a:fld>
             <a:endParaRPr lang="ru-RU"/>
           </a:p>
@@ -4584,7 +4583,7 @@
           <a:p>
             <a:fld id="{77F81082-7E7B-4BCA-9A0C-EFDC933911F5}" type="datetimeFigureOut">
               <a:rPr lang="ru-RU" smtClean="0"/>
-              <a:t>22.03.2019</a:t>
+              <a:t>01.04.2019</a:t>
             </a:fld>
             <a:endParaRPr lang="ru-RU"/>
           </a:p>
@@ -4863,7 +4862,7 @@
           <a:p>
             <a:fld id="{77F81082-7E7B-4BCA-9A0C-EFDC933911F5}" type="datetimeFigureOut">
               <a:rPr lang="ru-RU" smtClean="0"/>
-              <a:t>22.03.2019</a:t>
+              <a:t>01.04.2019</a:t>
             </a:fld>
             <a:endParaRPr lang="ru-RU"/>
           </a:p>
@@ -5138,7 +5137,7 @@
           <a:p>
             <a:fld id="{77F81082-7E7B-4BCA-9A0C-EFDC933911F5}" type="datetimeFigureOut">
               <a:rPr lang="ru-RU" smtClean="0"/>
-              <a:t>22.03.2019</a:t>
+              <a:t>01.04.2019</a:t>
             </a:fld>
             <a:endParaRPr lang="ru-RU"/>
           </a:p>
@@ -5567,7 +5566,7 @@
           <a:p>
             <a:fld id="{77F81082-7E7B-4BCA-9A0C-EFDC933911F5}" type="datetimeFigureOut">
               <a:rPr lang="ru-RU" smtClean="0"/>
-              <a:t>22.03.2019</a:t>
+              <a:t>01.04.2019</a:t>
             </a:fld>
             <a:endParaRPr lang="ru-RU"/>
           </a:p>
@@ -6750,23 +6749,7 @@
             </a:r>
             <a:r>
               <a:rPr lang="ru-RU" sz="2800" dirty="0" smtClean="0"/>
-              <a:t> </a:t>
-            </a:r>
-            <a:r>
-              <a:rPr lang="ru-RU" sz="2800" dirty="0" smtClean="0"/>
-              <a:t>например добавить </a:t>
-            </a:r>
-            <a:r>
-              <a:rPr lang="ru-RU" sz="2800" dirty="0" smtClean="0"/>
-              <a:t>возможность чтения онлайн </a:t>
-            </a:r>
-            <a:r>
-              <a:rPr lang="ru-RU" sz="2800" dirty="0" smtClean="0"/>
-              <a:t>и</a:t>
-            </a:r>
-            <a:r>
-              <a:rPr lang="ru-RU" sz="2800" dirty="0" smtClean="0"/>
-              <a:t>ли </a:t>
+              <a:t> например добавить возможность чтения онлайн или </a:t>
             </a:r>
             <a:r>
               <a:rPr lang="ru-RU" sz="2800" smtClean="0"/>
@@ -6774,15 +6757,7 @@
             </a:r>
             <a:r>
               <a:rPr lang="ru-RU" sz="2800" dirty="0" smtClean="0"/>
-              <a:t>для каждого пользователя и </a:t>
-            </a:r>
-            <a:r>
-              <a:rPr lang="ru-RU" sz="2800" dirty="0" smtClean="0"/>
-              <a:t> </a:t>
-            </a:r>
-            <a:r>
-              <a:rPr lang="ru-RU" sz="2800" dirty="0" smtClean="0"/>
-              <a:t>т. д.</a:t>
+              <a:t>для каждого пользователя и  т. д.</a:t>
             </a:r>
             <a:endParaRPr lang="ru-RU" sz="2800" dirty="0"/>
           </a:p>
@@ -6792,98 +6767,6 @@
     <p:extLst>
       <p:ext uri="{BB962C8B-B14F-4D97-AF65-F5344CB8AC3E}">
         <p14:creationId xmlns:p14="http://schemas.microsoft.com/office/powerpoint/2010/main" val="2924541943"/>
-      </p:ext>
-    </p:extLst>
-  </p:cSld>
-  <p:clrMapOvr>
-    <a:masterClrMapping/>
-  </p:clrMapOvr>
-  <p:timing>
-    <p:tnLst>
-      <p:par>
-        <p:cTn id="1" dur="indefinite" restart="never" nodeType="tmRoot"/>
-      </p:par>
-    </p:tnLst>
-  </p:timing>
-</p:sld>
-</file>
-
-<file path=ppt/slides/slide5.xml><?xml version="1.0" encoding="utf-8"?>
-<p:sld xmlns:a="http://schemas.openxmlformats.org/drawingml/2006/main" xmlns:r="http://schemas.openxmlformats.org/officeDocument/2006/relationships" xmlns:p="http://schemas.openxmlformats.org/presentationml/2006/main">
-  <p:cSld>
-    <p:spTree>
-      <p:nvGrpSpPr>
-        <p:cNvPr id="1" name=""/>
-        <p:cNvGrpSpPr/>
-        <p:nvPr/>
-      </p:nvGrpSpPr>
-      <p:grpSpPr>
-        <a:xfrm>
-          <a:off x="0" y="0"/>
-          <a:ext cx="0" cy="0"/>
-          <a:chOff x="0" y="0"/>
-          <a:chExt cx="0" cy="0"/>
-        </a:xfrm>
-      </p:grpSpPr>
-      <p:sp>
-        <p:nvSpPr>
-          <p:cNvPr id="2" name="Заголовок 1"/>
-          <p:cNvSpPr>
-            <a:spLocks noGrp="1"/>
-          </p:cNvSpPr>
-          <p:nvPr>
-            <p:ph type="title"/>
-          </p:nvPr>
-        </p:nvSpPr>
-        <p:spPr/>
-        <p:txBody>
-          <a:bodyPr/>
-          <a:lstStyle/>
-          <a:p>
-            <a:r>
-              <a:rPr lang="ru-RU" dirty="0" smtClean="0"/>
-              <a:t>Адрес сервера</a:t>
-            </a:r>
-            <a:endParaRPr lang="ru-RU" dirty="0"/>
-          </a:p>
-        </p:txBody>
-      </p:sp>
-      <p:sp>
-        <p:nvSpPr>
-          <p:cNvPr id="3" name="Объект 2"/>
-          <p:cNvSpPr>
-            <a:spLocks noGrp="1"/>
-          </p:cNvSpPr>
-          <p:nvPr>
-            <p:ph idx="1"/>
-          </p:nvPr>
-        </p:nvSpPr>
-        <p:spPr/>
-        <p:txBody>
-          <a:bodyPr>
-            <a:normAutofit/>
-          </a:bodyPr>
-          <a:lstStyle/>
-          <a:p>
-            <a:pPr marL="0" indent="0">
-              <a:buNone/>
-            </a:pPr>
-            <a:r>
-              <a:rPr lang="ru-RU" sz="2800" dirty="0" smtClean="0"/>
-              <a:t>37</a:t>
-            </a:r>
-            <a:r>
-              <a:rPr lang="en-US" sz="2800" dirty="0" smtClean="0"/>
-              <a:t>.235.165.163:8080</a:t>
-            </a:r>
-            <a:endParaRPr lang="ru-RU" sz="2800" dirty="0"/>
-          </a:p>
-        </p:txBody>
-      </p:sp>
-    </p:spTree>
-    <p:extLst>
-      <p:ext uri="{BB962C8B-B14F-4D97-AF65-F5344CB8AC3E}">
-        <p14:creationId xmlns:p14="http://schemas.microsoft.com/office/powerpoint/2010/main" val="137906066"/>
       </p:ext>
     </p:extLst>
   </p:cSld>

--- a/Проект WebServer.pptx
+++ b/Проект WebServer.pptx
@@ -9,6 +9,7 @@
     <p:sldId id="257" r:id="rId3"/>
     <p:sldId id="258" r:id="rId4"/>
     <p:sldId id="259" r:id="rId5"/>
+    <p:sldId id="260" r:id="rId6"/>
   </p:sldIdLst>
   <p:sldSz cx="12192000" cy="6858000"/>
   <p:notesSz cx="6858000" cy="9144000"/>
@@ -301,7 +302,7 @@
           <a:p>
             <a:fld id="{77F81082-7E7B-4BCA-9A0C-EFDC933911F5}" type="datetimeFigureOut">
               <a:rPr lang="ru-RU" smtClean="0"/>
-              <a:t>01.04.2019</a:t>
+              <a:t>05.04.2019</a:t>
             </a:fld>
             <a:endParaRPr lang="ru-RU"/>
           </a:p>
@@ -576,7 +577,7 @@
           <a:p>
             <a:fld id="{77F81082-7E7B-4BCA-9A0C-EFDC933911F5}" type="datetimeFigureOut">
               <a:rPr lang="ru-RU" smtClean="0"/>
-              <a:t>01.04.2019</a:t>
+              <a:t>05.04.2019</a:t>
             </a:fld>
             <a:endParaRPr lang="ru-RU"/>
           </a:p>
@@ -770,7 +771,7 @@
           <a:p>
             <a:fld id="{77F81082-7E7B-4BCA-9A0C-EFDC933911F5}" type="datetimeFigureOut">
               <a:rPr lang="ru-RU" smtClean="0"/>
-              <a:t>01.04.2019</a:t>
+              <a:t>05.04.2019</a:t>
             </a:fld>
             <a:endParaRPr lang="ru-RU"/>
           </a:p>
@@ -1043,7 +1044,7 @@
           <a:p>
             <a:fld id="{77F81082-7E7B-4BCA-9A0C-EFDC933911F5}" type="datetimeFigureOut">
               <a:rPr lang="ru-RU" smtClean="0"/>
-              <a:t>01.04.2019</a:t>
+              <a:t>05.04.2019</a:t>
             </a:fld>
             <a:endParaRPr lang="ru-RU"/>
           </a:p>
@@ -1384,7 +1385,7 @@
           <a:p>
             <a:fld id="{77F81082-7E7B-4BCA-9A0C-EFDC933911F5}" type="datetimeFigureOut">
               <a:rPr lang="ru-RU" smtClean="0"/>
-              <a:t>01.04.2019</a:t>
+              <a:t>05.04.2019</a:t>
             </a:fld>
             <a:endParaRPr lang="ru-RU"/>
           </a:p>
@@ -2007,7 +2008,7 @@
           <a:p>
             <a:fld id="{77F81082-7E7B-4BCA-9A0C-EFDC933911F5}" type="datetimeFigureOut">
               <a:rPr lang="ru-RU" smtClean="0"/>
-              <a:t>01.04.2019</a:t>
+              <a:t>05.04.2019</a:t>
             </a:fld>
             <a:endParaRPr lang="ru-RU"/>
           </a:p>
@@ -2867,7 +2868,7 @@
           <a:p>
             <a:fld id="{77F81082-7E7B-4BCA-9A0C-EFDC933911F5}" type="datetimeFigureOut">
               <a:rPr lang="ru-RU" smtClean="0"/>
-              <a:t>01.04.2019</a:t>
+              <a:t>05.04.2019</a:t>
             </a:fld>
             <a:endParaRPr lang="ru-RU"/>
           </a:p>
@@ -3037,7 +3038,7 @@
           <a:p>
             <a:fld id="{77F81082-7E7B-4BCA-9A0C-EFDC933911F5}" type="datetimeFigureOut">
               <a:rPr lang="ru-RU" smtClean="0"/>
-              <a:t>01.04.2019</a:t>
+              <a:t>05.04.2019</a:t>
             </a:fld>
             <a:endParaRPr lang="ru-RU"/>
           </a:p>
@@ -3217,7 +3218,7 @@
           <a:p>
             <a:fld id="{77F81082-7E7B-4BCA-9A0C-EFDC933911F5}" type="datetimeFigureOut">
               <a:rPr lang="ru-RU" smtClean="0"/>
-              <a:t>01.04.2019</a:t>
+              <a:t>05.04.2019</a:t>
             </a:fld>
             <a:endParaRPr lang="ru-RU"/>
           </a:p>
@@ -3387,7 +3388,7 @@
           <a:p>
             <a:fld id="{77F81082-7E7B-4BCA-9A0C-EFDC933911F5}" type="datetimeFigureOut">
               <a:rPr lang="ru-RU" smtClean="0"/>
-              <a:t>01.04.2019</a:t>
+              <a:t>05.04.2019</a:t>
             </a:fld>
             <a:endParaRPr lang="ru-RU"/>
           </a:p>
@@ -3634,7 +3635,7 @@
           <a:p>
             <a:fld id="{77F81082-7E7B-4BCA-9A0C-EFDC933911F5}" type="datetimeFigureOut">
               <a:rPr lang="ru-RU" smtClean="0"/>
-              <a:t>01.04.2019</a:t>
+              <a:t>05.04.2019</a:t>
             </a:fld>
             <a:endParaRPr lang="ru-RU"/>
           </a:p>
@@ -3926,7 +3927,7 @@
           <a:p>
             <a:fld id="{77F81082-7E7B-4BCA-9A0C-EFDC933911F5}" type="datetimeFigureOut">
               <a:rPr lang="ru-RU" smtClean="0"/>
-              <a:t>01.04.2019</a:t>
+              <a:t>05.04.2019</a:t>
             </a:fld>
             <a:endParaRPr lang="ru-RU"/>
           </a:p>
@@ -4370,7 +4371,7 @@
           <a:p>
             <a:fld id="{77F81082-7E7B-4BCA-9A0C-EFDC933911F5}" type="datetimeFigureOut">
               <a:rPr lang="ru-RU" smtClean="0"/>
-              <a:t>01.04.2019</a:t>
+              <a:t>05.04.2019</a:t>
             </a:fld>
             <a:endParaRPr lang="ru-RU"/>
           </a:p>
@@ -4488,7 +4489,7 @@
           <a:p>
             <a:fld id="{77F81082-7E7B-4BCA-9A0C-EFDC933911F5}" type="datetimeFigureOut">
               <a:rPr lang="ru-RU" smtClean="0"/>
-              <a:t>01.04.2019</a:t>
+              <a:t>05.04.2019</a:t>
             </a:fld>
             <a:endParaRPr lang="ru-RU"/>
           </a:p>
@@ -4583,7 +4584,7 @@
           <a:p>
             <a:fld id="{77F81082-7E7B-4BCA-9A0C-EFDC933911F5}" type="datetimeFigureOut">
               <a:rPr lang="ru-RU" smtClean="0"/>
-              <a:t>01.04.2019</a:t>
+              <a:t>05.04.2019</a:t>
             </a:fld>
             <a:endParaRPr lang="ru-RU"/>
           </a:p>
@@ -4862,7 +4863,7 @@
           <a:p>
             <a:fld id="{77F81082-7E7B-4BCA-9A0C-EFDC933911F5}" type="datetimeFigureOut">
               <a:rPr lang="ru-RU" smtClean="0"/>
-              <a:t>01.04.2019</a:t>
+              <a:t>05.04.2019</a:t>
             </a:fld>
             <a:endParaRPr lang="ru-RU"/>
           </a:p>
@@ -5137,7 +5138,7 @@
           <a:p>
             <a:fld id="{77F81082-7E7B-4BCA-9A0C-EFDC933911F5}" type="datetimeFigureOut">
               <a:rPr lang="ru-RU" smtClean="0"/>
-              <a:t>01.04.2019</a:t>
+              <a:t>05.04.2019</a:t>
             </a:fld>
             <a:endParaRPr lang="ru-RU"/>
           </a:p>
@@ -5566,7 +5567,7 @@
           <a:p>
             <a:fld id="{77F81082-7E7B-4BCA-9A0C-EFDC933911F5}" type="datetimeFigureOut">
               <a:rPr lang="ru-RU" smtClean="0"/>
-              <a:t>01.04.2019</a:t>
+              <a:t>05.04.2019</a:t>
             </a:fld>
             <a:endParaRPr lang="ru-RU"/>
           </a:p>
@@ -6299,7 +6300,23 @@
             </a:r>
             <a:r>
               <a:rPr lang="ru-RU" sz="2800" dirty="0" smtClean="0"/>
-              <a:t>страницы авторов, загрузка книг, скачивание и поиск</a:t>
+              <a:t>страницы авторов, загрузка книг, </a:t>
+            </a:r>
+            <a:r>
+              <a:rPr lang="ru-RU" sz="2800" dirty="0" smtClean="0"/>
+              <a:t>скачивание</a:t>
+            </a:r>
+            <a:r>
+              <a:rPr lang="en-US" sz="2800" dirty="0" smtClean="0"/>
+              <a:t>, </a:t>
+            </a:r>
+            <a:r>
+              <a:rPr lang="ru-RU" sz="2800" dirty="0" smtClean="0"/>
+              <a:t>редактирование </a:t>
+            </a:r>
+            <a:r>
+              <a:rPr lang="ru-RU" sz="2800" dirty="0" smtClean="0"/>
+              <a:t>и поиск</a:t>
             </a:r>
             <a:r>
               <a:rPr lang="en-US" sz="2800" dirty="0" smtClean="0"/>
@@ -6780,6 +6797,92 @@
       </p:par>
     </p:tnLst>
   </p:timing>
+</p:sld>
+</file>
+
+<file path=ppt/slides/slide5.xml><?xml version="1.0" encoding="utf-8"?>
+<p:sld xmlns:a="http://schemas.openxmlformats.org/drawingml/2006/main" xmlns:r="http://schemas.openxmlformats.org/officeDocument/2006/relationships" xmlns:p="http://schemas.openxmlformats.org/presentationml/2006/main">
+  <p:cSld>
+    <p:spTree>
+      <p:nvGrpSpPr>
+        <p:cNvPr id="1" name=""/>
+        <p:cNvGrpSpPr/>
+        <p:nvPr/>
+      </p:nvGrpSpPr>
+      <p:grpSpPr>
+        <a:xfrm>
+          <a:off x="0" y="0"/>
+          <a:ext cx="0" cy="0"/>
+          <a:chOff x="0" y="0"/>
+          <a:chExt cx="0" cy="0"/>
+        </a:xfrm>
+      </p:grpSpPr>
+      <p:sp>
+        <p:nvSpPr>
+          <p:cNvPr id="2" name="Заголовок 1"/>
+          <p:cNvSpPr>
+            <a:spLocks noGrp="1"/>
+          </p:cNvSpPr>
+          <p:nvPr>
+            <p:ph type="title"/>
+          </p:nvPr>
+        </p:nvSpPr>
+        <p:spPr/>
+        <p:txBody>
+          <a:bodyPr/>
+          <a:lstStyle/>
+          <a:p>
+            <a:r>
+              <a:rPr lang="ru-RU" dirty="0" smtClean="0"/>
+              <a:t>Адрес сервера</a:t>
+            </a:r>
+            <a:endParaRPr lang="ru-RU" dirty="0"/>
+          </a:p>
+        </p:txBody>
+      </p:sp>
+      <p:sp>
+        <p:nvSpPr>
+          <p:cNvPr id="3" name="Объект 2"/>
+          <p:cNvSpPr>
+            <a:spLocks noGrp="1"/>
+          </p:cNvSpPr>
+          <p:nvPr>
+            <p:ph idx="1"/>
+          </p:nvPr>
+        </p:nvSpPr>
+        <p:spPr/>
+        <p:txBody>
+          <a:bodyPr>
+            <a:normAutofit/>
+          </a:bodyPr>
+          <a:lstStyle/>
+          <a:p>
+            <a:pPr marL="0" indent="0">
+              <a:buNone/>
+            </a:pPr>
+            <a:r>
+              <a:rPr lang="ru-RU" sz="2800" b="1" dirty="0"/>
+              <a:t>37.235.165.163:8080</a:t>
+            </a:r>
+          </a:p>
+          <a:p>
+            <a:pPr marL="0" indent="0">
+              <a:buNone/>
+            </a:pPr>
+            <a:endParaRPr lang="ru-RU" sz="2800" dirty="0"/>
+          </a:p>
+        </p:txBody>
+      </p:sp>
+    </p:spTree>
+    <p:extLst>
+      <p:ext uri="{BB962C8B-B14F-4D97-AF65-F5344CB8AC3E}">
+        <p14:creationId xmlns:p14="http://schemas.microsoft.com/office/powerpoint/2010/main" val="2167768554"/>
+      </p:ext>
+    </p:extLst>
+  </p:cSld>
+  <p:clrMapOvr>
+    <a:masterClrMapping/>
+  </p:clrMapOvr>
 </p:sld>
 </file>
 
